--- a/cagrid-1-0/Documentation/presentations/2008_AnnualMeeting/posters/gaards-poster-annual-meeting-2008.pptx
+++ b/cagrid-1-0/Documentation/presentations/2008_AnnualMeeting/posters/gaards-poster-annual-meeting-2008.pptx
@@ -192,7 +192,8 @@
           <a:p>
             <a:fld id="{08FEE5B3-4449-EA47-A2CD-3AEA5C5EE316}" type="datetimeFigureOut">
               <a:rPr lang="en-US" smtClean="0"/>
-              <a:t>6/11/08</a:t>
+              <a:pPr/>
+              <a:t>6/12/08</a:t>
             </a:fld>
             <a:endParaRPr lang="en-US"/>
           </a:p>
@@ -353,6 +354,7 @@
           <a:p>
             <a:fld id="{4CEFC7DB-6F8C-A345-A9C5-3B0F64FB6211}" type="slidenum">
               <a:rPr lang="en-US" smtClean="0"/>
+              <a:pPr/>
               <a:t>‹#›</a:t>
             </a:fld>
             <a:endParaRPr lang="en-US"/>
@@ -524,6 +526,7 @@
           <a:p>
             <a:fld id="{4CEFC7DB-6F8C-A345-A9C5-3B0F64FB6211}" type="slidenum">
               <a:rPr lang="en-US" smtClean="0"/>
+              <a:pPr/>
               <a:t>1</a:t>
             </a:fld>
             <a:endParaRPr lang="en-US"/>
@@ -720,7 +723,7 @@
             <a:fld id="{339DB51B-28D5-CA40-B042-16E22DA4B1D8}" type="datetimeFigureOut">
               <a:rPr lang="en-US" smtClean="0"/>
               <a:pPr/>
-              <a:t>6/11/08</a:t>
+              <a:t>6/12/08</a:t>
             </a:fld>
             <a:endParaRPr lang="en-US"/>
           </a:p>
@@ -887,7 +890,7 @@
             <a:fld id="{339DB51B-28D5-CA40-B042-16E22DA4B1D8}" type="datetimeFigureOut">
               <a:rPr lang="en-US" smtClean="0"/>
               <a:pPr/>
-              <a:t>6/11/08</a:t>
+              <a:t>6/12/08</a:t>
             </a:fld>
             <a:endParaRPr lang="en-US"/>
           </a:p>
@@ -1064,7 +1067,7 @@
             <a:fld id="{339DB51B-28D5-CA40-B042-16E22DA4B1D8}" type="datetimeFigureOut">
               <a:rPr lang="en-US" smtClean="0"/>
               <a:pPr/>
-              <a:t>6/11/08</a:t>
+              <a:t>6/12/08</a:t>
             </a:fld>
             <a:endParaRPr lang="en-US"/>
           </a:p>
@@ -1231,7 +1234,7 @@
             <a:fld id="{339DB51B-28D5-CA40-B042-16E22DA4B1D8}" type="datetimeFigureOut">
               <a:rPr lang="en-US" smtClean="0"/>
               <a:pPr/>
-              <a:t>6/11/08</a:t>
+              <a:t>6/12/08</a:t>
             </a:fld>
             <a:endParaRPr lang="en-US"/>
           </a:p>
@@ -1474,7 +1477,7 @@
             <a:fld id="{339DB51B-28D5-CA40-B042-16E22DA4B1D8}" type="datetimeFigureOut">
               <a:rPr lang="en-US" smtClean="0"/>
               <a:pPr/>
-              <a:t>6/11/08</a:t>
+              <a:t>6/12/08</a:t>
             </a:fld>
             <a:endParaRPr lang="en-US"/>
           </a:p>
@@ -1759,7 +1762,7 @@
             <a:fld id="{339DB51B-28D5-CA40-B042-16E22DA4B1D8}" type="datetimeFigureOut">
               <a:rPr lang="en-US" smtClean="0"/>
               <a:pPr/>
-              <a:t>6/11/08</a:t>
+              <a:t>6/12/08</a:t>
             </a:fld>
             <a:endParaRPr lang="en-US"/>
           </a:p>
@@ -2183,7 +2186,7 @@
             <a:fld id="{339DB51B-28D5-CA40-B042-16E22DA4B1D8}" type="datetimeFigureOut">
               <a:rPr lang="en-US" smtClean="0"/>
               <a:pPr/>
-              <a:t>6/11/08</a:t>
+              <a:t>6/12/08</a:t>
             </a:fld>
             <a:endParaRPr lang="en-US"/>
           </a:p>
@@ -2298,7 +2301,7 @@
             <a:fld id="{339DB51B-28D5-CA40-B042-16E22DA4B1D8}" type="datetimeFigureOut">
               <a:rPr lang="en-US" smtClean="0"/>
               <a:pPr/>
-              <a:t>6/11/08</a:t>
+              <a:t>6/12/08</a:t>
             </a:fld>
             <a:endParaRPr lang="en-US"/>
           </a:p>
@@ -2390,7 +2393,7 @@
             <a:fld id="{339DB51B-28D5-CA40-B042-16E22DA4B1D8}" type="datetimeFigureOut">
               <a:rPr lang="en-US" smtClean="0"/>
               <a:pPr/>
-              <a:t>6/11/08</a:t>
+              <a:t>6/12/08</a:t>
             </a:fld>
             <a:endParaRPr lang="en-US"/>
           </a:p>
@@ -2664,7 +2667,7 @@
             <a:fld id="{339DB51B-28D5-CA40-B042-16E22DA4B1D8}" type="datetimeFigureOut">
               <a:rPr lang="en-US" smtClean="0"/>
               <a:pPr/>
-              <a:t>6/11/08</a:t>
+              <a:t>6/12/08</a:t>
             </a:fld>
             <a:endParaRPr lang="en-US"/>
           </a:p>
@@ -2914,7 +2917,7 @@
             <a:fld id="{339DB51B-28D5-CA40-B042-16E22DA4B1D8}" type="datetimeFigureOut">
               <a:rPr lang="en-US" smtClean="0"/>
               <a:pPr/>
-              <a:t>6/11/08</a:t>
+              <a:t>6/12/08</a:t>
             </a:fld>
             <a:endParaRPr lang="en-US"/>
           </a:p>
@@ -3124,7 +3127,7 @@
             <a:fld id="{339DB51B-28D5-CA40-B042-16E22DA4B1D8}" type="datetimeFigureOut">
               <a:rPr lang="en-US" smtClean="0"/>
               <a:pPr/>
-              <a:t>6/11/08</a:t>
+              <a:t>6/12/08</a:t>
             </a:fld>
             <a:endParaRPr lang="en-US"/>
           </a:p>
@@ -5061,15 +5064,7 @@
               </a:r>
               <a:r>
                 <a:rPr lang="en-US" sz="2800" dirty="0" smtClean="0"/>
-                <a:t>), each issuing hundreds if not thousands of certificates. In such a dynamic multi-intuitional environment with tens of thousands of users, credentials will be issued and revoked frequently, and new authorities will be added regularly. The Grid Trust Service (GTS) is a federated grid infrastructure enabling the provisioning and management of a grid trust </a:t>
-              </a:r>
-              <a:r>
-                <a:rPr lang="en-US" sz="2800" dirty="0" smtClean="0"/>
-                <a:t>fabric.  The GTS provides a federated </a:t>
-              </a:r>
-              <a:r>
-                <a:rPr lang="en-US" sz="2800" dirty="0" smtClean="0"/>
-                <a:t>solution for registering, managing, and distributing certificate authority certificates and </a:t>
+                <a:t>), each issuing hundreds if not thousands of certificates. In such a dynamic multi-intuitional environment with tens of thousands of users, credentials will be issued and revoked frequently, and new authorities will be added regularly. The Grid Trust Service (GTS) is a federated grid infrastructure enabling the provisioning and management of a grid trust fabric.  The GTS provides a federated solution for registering, managing, and distributing certificate authority certificates and </a:t>
               </a:r>
               <a:r>
                 <a:rPr lang="en-US" sz="2800" dirty="0" err="1" smtClean="0"/>
@@ -5077,11 +5072,7 @@
               </a:r>
               <a:r>
                 <a:rPr lang="en-US" sz="2800" dirty="0" smtClean="0"/>
-                <a:t>, facilitating the enforcement of trust agreements against the latest trusted roots.</a:t>
-              </a:r>
-              <a:r>
-                <a:rPr lang="en-US" sz="2800" dirty="0" smtClean="0"/>
-                <a:t>   The GTS allows the definition of levels of assurance which can be used to group and distribute </a:t>
+                <a:t>, facilitating the enforcement of trust agreements against the latest trusted roots.   The GTS allows the definition of levels of assurance which can be used to group and distribute </a:t>
               </a:r>
               <a:r>
                 <a:rPr lang="en-US" sz="2800" dirty="0" err="1" smtClean="0"/>
@@ -5242,31 +5233,7 @@
               <a:pPr algn="just"/>
               <a:r>
                 <a:rPr lang="en-US" sz="2800" dirty="0" smtClean="0"/>
-                <a:t>T</a:t>
-              </a:r>
-              <a:r>
-                <a:rPr lang="en-US" sz="2800" dirty="0" smtClean="0"/>
-                <a:t>he </a:t>
-              </a:r>
-              <a:r>
-                <a:rPr lang="en-US" sz="2800" dirty="0" smtClean="0"/>
-                <a:t>Authentication Service</a:t>
-              </a:r>
-              <a:r>
-                <a:rPr lang="en-US" sz="2800" dirty="0" smtClean="0"/>
-                <a:t> enables existing </a:t>
-              </a:r>
-              <a:r>
-                <a:rPr lang="en-US" sz="2800" dirty="0" smtClean="0"/>
-                <a:t>identity providers to be seamlessly integrated into a production Grid environment such that users that are registered with an identity provider may use their existing credentials to access resources on the Grid.    The Authentication Service provides a uniform web service interface providing applications with a single approach for authenticating users across a federation.   In other words if each organization provides an Authentication Service for their Identity Provider, then applications can be developed to authenticate users using the Authentication Service interface, allowing users from any identity provider to authenticate with any application.</a:t>
-              </a:r>
-              <a:r>
-                <a:rPr lang="en-US" sz="2800" dirty="0" smtClean="0"/>
-                <a:t> </a:t>
-              </a:r>
-              <a:r>
-                <a:rPr lang="en-US" sz="2800" dirty="0" smtClean="0"/>
-                <a:t>Together the Authentication Service and Dorian provide a solution for federating identity in a grid environment, allowing users to use their existing credentials to access secure grid resources.</a:t>
+                <a:t>The Authentication Service enables existing identity providers to be seamlessly integrated into a production Grid environment such that users that are registered with an identity provider may use their existing credentials to access resources on the Grid.    The Authentication Service provides a uniform web service interface providing applications with a single approach for authenticating users across a federation.   In other words if each organization provides an Authentication Service for their Identity Provider, then applications can be developed to authenticate users using the Authentication Service interface, allowing users from any identity provider to authenticate with any application. Together the Authentication Service and Dorian provide a solution for federating identity in a grid environment, allowing users to use their existing credentials to access secure grid resources.</a:t>
               </a:r>
             </a:p>
             <a:p>
@@ -5283,8 +5250,8 @@
             </p:cNvPicPr>
             <p:nvPr/>
           </p:nvPicPr>
-          <mc:AlternateContent>
-            <mc:Choice xmlns:ma="http://schemas.microsoft.com/office/mac/drawingml/2008/main" Requires="ma">
+          <mc:AlternateContent xmlns:ma="http://schemas.microsoft.com/office/mac/drawingml/2008/main">
+            <mc:Choice Requires="ma">
               <p:blipFill>
                 <a:blip r:embed="rId5"/>
                 <a:stretch>
@@ -5292,7 +5259,7 @@
                 </a:stretch>
               </p:blipFill>
             </mc:Choice>
-            <mc:Fallback>
+            <mc:Fallback xmlns:p="http://schemas.openxmlformats.org/presentationml/2006/main" xmlns:mv="urn:schemas-microsoft-com:mac:vml" xmlns:mc="http://schemas.openxmlformats.org/markup-compatibility/2006" xmlns:r="http://schemas.openxmlformats.org/officeDocument/2006/relationships" xmlns:a="http://schemas.openxmlformats.org/drawingml/2006/main" xmlns="">
               <p:blipFill>
                 <a:blip r:embed="rId6"/>
                 <a:stretch>
@@ -5320,10 +5287,10 @@
         </p:nvGrpSpPr>
         <p:grpSpPr>
           <a:xfrm>
-            <a:off x="228600" y="20269200"/>
-            <a:ext cx="22441586" cy="9067800"/>
-            <a:chOff x="228600" y="20726400"/>
-            <a:chExt cx="22174200" cy="9067800"/>
+            <a:off x="228600" y="20193000"/>
+            <a:ext cx="22441586" cy="9144000"/>
+            <a:chOff x="228600" y="20650200"/>
+            <a:chExt cx="22174200" cy="9144000"/>
           </a:xfrm>
         </p:grpSpPr>
         <p:grpSp>
@@ -5334,10 +5301,10 @@
           </p:nvGrpSpPr>
           <p:grpSpPr>
             <a:xfrm>
-              <a:off x="228600" y="20726400"/>
-              <a:ext cx="22174200" cy="5838444"/>
-              <a:chOff x="228600" y="20726400"/>
-              <a:chExt cx="22174200" cy="5838444"/>
+              <a:off x="228600" y="20650200"/>
+              <a:ext cx="22174200" cy="5914644"/>
+              <a:chOff x="228600" y="20650200"/>
+              <a:chExt cx="22174200" cy="5914644"/>
             </a:xfrm>
           </p:grpSpPr>
           <p:sp>
@@ -5387,7 +5354,7 @@
             </p:nvSpPr>
             <p:spPr bwMode="auto">
               <a:xfrm>
-                <a:off x="1295400" y="20726400"/>
+                <a:off x="1295400" y="20650200"/>
                 <a:ext cx="2286000" cy="830997"/>
               </a:xfrm>
               <a:prstGeom prst="rect">
@@ -5517,15 +5484,7 @@
                       <a:srgbClr val="101533"/>
                     </a:solidFill>
                   </a:rPr>
-                  <a:t>Identity </a:t>
-                </a:r>
-                <a:r>
-                  <a:rPr lang="en-US" sz="2800" b="1" dirty="0" smtClean="0">
-                    <a:solidFill>
-                      <a:srgbClr val="101533"/>
-                    </a:solidFill>
-                  </a:rPr>
-                  <a:t>Management and Federation</a:t>
+                  <a:t>Identity Management and Federation</a:t>
                 </a:r>
               </a:p>
               <a:p>
@@ -5555,11 +5514,6 @@
                   </a:rPr>
                   <a:t>Existing user credentials can be used to access the grid.</a:t>
                 </a:r>
-                <a:endParaRPr lang="en-US" sz="2800" dirty="0" smtClean="0">
-                  <a:solidFill>
-                    <a:srgbClr val="070709"/>
-                  </a:solidFill>
-                </a:endParaRPr>
               </a:p>
               <a:p>
                 <a:pPr marL="685800" lvl="1" indent="-228600" defTabSz="3657600">
@@ -5572,15 +5526,7 @@
                       <a:srgbClr val="070709"/>
                     </a:solidFill>
                   </a:rPr>
-                  <a:t>Automated </a:t>
-                </a:r>
-                <a:r>
-                  <a:rPr lang="en-US" sz="2800" dirty="0" smtClean="0">
-                    <a:solidFill>
-                      <a:srgbClr val="070709"/>
-                    </a:solidFill>
-                  </a:rPr>
-                  <a:t>account creation and provisioning</a:t>
+                  <a:t>Automated account creation and provisioning</a:t>
                 </a:r>
                 <a:endParaRPr lang="en-US" dirty="0"/>
               </a:p>
@@ -5611,15 +5557,7 @@
               <a:pPr algn="just" defTabSz="3657600"/>
               <a:r>
                 <a:rPr lang="en-US" sz="2800" dirty="0" smtClean="0"/>
-                <a:t>Dorian is a federated account management system for the Grid</a:t>
-              </a:r>
-              <a:r>
-                <a:rPr lang="en-US" sz="2800" dirty="0" smtClean="0"/>
-                <a:t>.  Dorian </a:t>
-              </a:r>
-              <a:r>
-                <a:rPr lang="en-US" sz="2800" dirty="0" smtClean="0"/>
-                <a:t>simplifies the complexity of Grid security for users, allowing them to use their existing credentials to access resources on the Grid.</a:t>
+                <a:t>Dorian is a federated account management system for the Grid.  Dorian simplifies the complexity of Grid security for users, allowing them to use their existing credentials to access resources on the Grid.</a:t>
               </a:r>
             </a:p>
             <a:p>
@@ -5634,15 +5572,7 @@
                     <a:srgbClr val="101533"/>
                   </a:solidFill>
                 </a:rPr>
-                <a:t>Dorian’s </a:t>
-              </a:r>
-              <a:r>
-                <a:rPr lang="en-US" sz="2800" b="1" dirty="0" smtClean="0">
-                  <a:solidFill>
-                    <a:srgbClr val="101533"/>
-                  </a:solidFill>
-                </a:rPr>
-                <a:t>Features</a:t>
+                <a:t>Dorian’s Features</a:t>
               </a:r>
             </a:p>
             <a:p>
@@ -5653,15 +5583,7 @@
                     <a:srgbClr val="101533"/>
                   </a:solidFill>
                 </a:rPr>
-                <a:t>Grid Account </a:t>
-              </a:r>
-              <a:r>
-                <a:rPr lang="en-US" sz="2800" b="1" dirty="0" smtClean="0">
-                  <a:solidFill>
-                    <a:srgbClr val="101533"/>
-                  </a:solidFill>
-                </a:rPr>
-                <a:t>Management</a:t>
+                <a:t>Grid Account Management</a:t>
               </a:r>
               <a:endParaRPr lang="en-US" sz="2800" dirty="0" smtClean="0">
                 <a:solidFill>
@@ -5747,7 +5669,6 @@
                 <a:rPr lang="en-US" sz="2800" dirty="0" smtClean="0"/>
                 <a:t>  </a:t>
               </a:r>
-              <a:endParaRPr lang="en-US" sz="2800" dirty="0" smtClean="0"/>
             </a:p>
             <a:p>
               <a:pPr algn="just" defTabSz="3657600"/>
@@ -5814,8 +5735,8 @@
         </p:nvSpPr>
         <p:spPr>
           <a:xfrm>
-            <a:off x="15544800" y="31348741"/>
-            <a:ext cx="13667775" cy="1569660"/>
+            <a:off x="14706600" y="31318200"/>
+            <a:ext cx="15366857" cy="1569660"/>
           </a:xfrm>
           <a:prstGeom prst="rect">
             <a:avLst/>
@@ -5851,7 +5772,15 @@
                   <a:schemeClr val="bg1"/>
                 </a:solidFill>
               </a:rPr>
-              <a:t>, Scott Oster</a:t>
+              <a:t>, Scott </a:t>
+            </a:r>
+            <a:r>
+              <a:rPr lang="en-US" sz="2400" b="1" dirty="0" smtClean="0">
+                <a:solidFill>
+                  <a:schemeClr val="bg1"/>
+                </a:solidFill>
+              </a:rPr>
+              <a:t>Oster</a:t>
             </a:r>
             <a:r>
               <a:rPr lang="en-US" sz="2400" b="1" baseline="30000" dirty="0" smtClean="0">
@@ -5883,7 +5812,39 @@
                   <a:schemeClr val="bg1"/>
                 </a:solidFill>
               </a:rPr>
-              <a:t>,  Joshua Phillips</a:t>
+              <a:t>,</a:t>
+            </a:r>
+            <a:r>
+              <a:rPr lang="en-US" sz="2400" b="1" dirty="0" smtClean="0">
+                <a:solidFill>
+                  <a:schemeClr val="bg1"/>
+                </a:solidFill>
+              </a:rPr>
+              <a:t> David Ervin</a:t>
+            </a:r>
+            <a:r>
+              <a:rPr lang="en-US" sz="2400" b="1" baseline="30000" dirty="0" smtClean="0">
+                <a:solidFill>
+                  <a:schemeClr val="bg1"/>
+                </a:solidFill>
+              </a:rPr>
+              <a:t>1</a:t>
+            </a:r>
+            <a:r>
+              <a:rPr lang="en-US" sz="2400" b="1" dirty="0" smtClean="0">
+                <a:solidFill>
+                  <a:schemeClr val="bg1"/>
+                </a:solidFill>
+              </a:rPr>
+              <a:t>,  </a:t>
+            </a:r>
+            <a:r>
+              <a:rPr lang="en-US" sz="2400" b="1" dirty="0" smtClean="0">
+                <a:solidFill>
+                  <a:schemeClr val="bg1"/>
+                </a:solidFill>
+              </a:rPr>
+              <a:t>Joshua Phillips</a:t>
             </a:r>
             <a:r>
               <a:rPr lang="en-US" sz="2400" b="1" baseline="30000" dirty="0" smtClean="0">
@@ -6006,23 +5967,7 @@
                   <a:schemeClr val="bg1"/>
                 </a:solidFill>
               </a:rPr>
-              <a:t>Software </a:t>
-            </a:r>
-            <a:r>
-              <a:rPr lang="en-US" sz="2400" dirty="0" smtClean="0">
-                <a:solidFill>
-                  <a:schemeClr val="bg1"/>
-                </a:solidFill>
-              </a:rPr>
-              <a:t>Research </a:t>
-            </a:r>
-            <a:r>
-              <a:rPr lang="en-US" sz="2400" dirty="0" smtClean="0">
-                <a:solidFill>
-                  <a:schemeClr val="bg1"/>
-                </a:solidFill>
-              </a:rPr>
-              <a:t>Institute, Department of Biomedical Informatics, Ohio State University</a:t>
+              <a:t>Software Research Institute, Department of Biomedical Informatics, Ohio State University</a:t>
             </a:r>
           </a:p>
           <a:p>
@@ -6073,15 +6018,7 @@
                   <a:schemeClr val="bg1"/>
                 </a:solidFill>
               </a:rPr>
-              <a:t>3</a:t>
-            </a:r>
-            <a:r>
-              <a:rPr lang="en-US" sz="2400" baseline="30000" dirty="0" smtClean="0">
-                <a:solidFill>
-                  <a:schemeClr val="bg1"/>
-                </a:solidFill>
-              </a:rPr>
-              <a:t> </a:t>
+              <a:t>3 </a:t>
             </a:r>
             <a:r>
               <a:rPr lang="en-US" sz="2400" dirty="0" smtClean="0">
@@ -6220,8 +6157,8 @@
             </p:cNvPicPr>
             <p:nvPr/>
           </p:nvPicPr>
-          <mc:AlternateContent>
-            <mc:Choice xmlns:ma="http://schemas.microsoft.com/office/mac/drawingml/2008/main" Requires="ma">
+          <mc:AlternateContent xmlns:ma="http://schemas.microsoft.com/office/mac/drawingml/2008/main">
+            <mc:Choice Requires="ma">
               <p:blipFill>
                 <a:blip r:embed="rId8"/>
                 <a:stretch>
@@ -6229,7 +6166,7 @@
                 </a:stretch>
               </p:blipFill>
             </mc:Choice>
-            <mc:Fallback>
+            <mc:Fallback xmlns:p="http://schemas.openxmlformats.org/presentationml/2006/main" xmlns:mv="urn:schemas-microsoft-com:mac:vml" xmlns:mc="http://schemas.openxmlformats.org/markup-compatibility/2006" xmlns:r="http://schemas.openxmlformats.org/officeDocument/2006/relationships" xmlns:a="http://schemas.openxmlformats.org/drawingml/2006/main" xmlns="">
               <p:blipFill>
                 <a:blip r:embed="rId9"/>
                 <a:stretch>
@@ -6337,7 +6274,7 @@
           <p:spPr>
             <a:xfrm>
               <a:off x="217948" y="13258800"/>
-              <a:ext cx="21803852" cy="7048084"/>
+              <a:ext cx="21803852" cy="6617197"/>
             </a:xfrm>
             <a:prstGeom prst="rect">
               <a:avLst/>
@@ -6364,7 +6301,15 @@
               </a:r>
               <a:r>
                 <a:rPr lang="en-US" sz="2800" dirty="0" smtClean="0"/>
-                <a:t> Provides a framework for integrating existing credential providers into the grid under a standardized grid service interface, providing applications with a unified approach to communicate with credential providers.</a:t>
+                <a:t> Provides a framework for integrating existing credential providers into the grid under a standardized grid service interface, providing applications with a unified approach to </a:t>
+              </a:r>
+              <a:r>
+                <a:rPr lang="en-US" sz="2800" dirty="0" smtClean="0"/>
+                <a:t>communicating </a:t>
+              </a:r>
+              <a:r>
+                <a:rPr lang="en-US" sz="2800" dirty="0" smtClean="0"/>
+                <a:t>with credential providers.</a:t>
               </a:r>
             </a:p>
             <a:p>
@@ -6421,7 +6366,27 @@
               </a:r>
               <a:r>
                 <a:rPr lang="en-US" sz="2800" dirty="0" smtClean="0"/>
-                <a:t>A WSRF-compliant Grid service that enables users/services (delegator) to delegate their Grid credentials to other users/services (delegatee) such that the delegatee(s) may act on the delegator's behalf.</a:t>
+                <a:t>A WSRF-compliant Grid service that enables users/services (</a:t>
+              </a:r>
+              <a:r>
+                <a:rPr lang="en-US" sz="2800" dirty="0" smtClean="0"/>
+                <a:t>delegators) </a:t>
+              </a:r>
+              <a:r>
+                <a:rPr lang="en-US" sz="2800" dirty="0" smtClean="0"/>
+                <a:t>to delegate their Grid credentials to other users/services (</a:t>
+              </a:r>
+              <a:r>
+                <a:rPr lang="en-US" sz="2800" dirty="0" err="1" smtClean="0"/>
+                <a:t>delegatees</a:t>
+              </a:r>
+              <a:r>
+                <a:rPr lang="en-US" sz="2800" dirty="0" smtClean="0"/>
+                <a:t>) </a:t>
+              </a:r>
+              <a:r>
+                <a:rPr lang="en-US" sz="2800" dirty="0" smtClean="0"/>
+                <a:t>such that the delegatee(s) may act on the delegator's behalf.</a:t>
               </a:r>
             </a:p>
             <a:p>
@@ -6436,7 +6401,7 @@
                     <a:srgbClr val="101533"/>
                   </a:solidFill>
                 </a:rPr>
-                <a:t>Web Single </a:t>
+                <a:t>Web Single Sign-On (WebSSO) </a:t>
               </a:r>
               <a:r>
                 <a:rPr lang="en-US" sz="2800" b="1" dirty="0" smtClean="0">
@@ -6444,20 +6409,21 @@
                     <a:srgbClr val="101533"/>
                   </a:solidFill>
                 </a:rPr>
-                <a:t>Sign-On </a:t>
-              </a:r>
-              <a:r>
-                <a:rPr lang="en-US" sz="2800" b="1" dirty="0" smtClean="0">
-                  <a:solidFill>
-                    <a:srgbClr val="101533"/>
-                  </a:solidFill>
-                </a:rPr>
-                <a:t>(WebSSO) -</a:t>
+                <a:t>-</a:t>
               </a:r>
               <a:r>
                 <a:rPr lang="en-US" sz="2800" dirty="0" smtClean="0"/>
-                <a:t> Provides a comprehensive, Single Sign On (SSO) solution for web applications using GAARDS.Authentication Service - Provides a framework for issuing SAML assertions for existing credential providers such that they may easily integrated with Dorian and other grid credential providers. The authentication service also provides a uniform authentication interface in which applications can be built on.</a:t>
+                <a:t>provides a comprehensive, Single Sign On solution for web applications.  </a:t>
               </a:r>
+              <a:r>
+                <a:rPr lang="en-US" sz="2800" dirty="0" err="1" smtClean="0"/>
+                <a:t>WebSSO</a:t>
+              </a:r>
+              <a:r>
+                <a:rPr lang="en-US" sz="2800" dirty="0" smtClean="0"/>
+                <a:t> integrates with the GAARDS infrastructure allowing web applications to interact with secure Grid resources on behalf of the user that is logged on. </a:t>
+              </a:r>
+              <a:endParaRPr lang="en-US" sz="2800" dirty="0" smtClean="0"/>
             </a:p>
           </p:txBody>
         </p:sp>
@@ -6633,15 +6599,27 @@
               <a:pPr algn="just"/>
               <a:r>
                 <a:rPr lang="en-US" sz="2800" dirty="0" smtClean="0"/>
-                <a:t>The Credential Delegation Service (CDS) is a WSRF-compliant Grid service that enables users/services (delegator) to delegate their Grid credentials to other users/services (</a:t>
+                <a:t>The Credential Delegation Service (CDS) is a WSRF-compliant Grid service that enables users/services (</a:t>
+              </a:r>
+              <a:r>
+                <a:rPr lang="en-US" sz="2800" dirty="0" smtClean="0"/>
+                <a:t>delegators) </a:t>
+              </a:r>
+              <a:r>
+                <a:rPr lang="en-US" sz="2800" dirty="0" smtClean="0"/>
+                <a:t>to delegate their Grid credentials to other users/services (</a:t>
               </a:r>
               <a:r>
                 <a:rPr lang="en-US" sz="2800" dirty="0" err="1" smtClean="0"/>
-                <a:t>delegatee</a:t>
+                <a:t>delegatees</a:t>
               </a:r>
               <a:r>
                 <a:rPr lang="en-US" sz="2800" dirty="0" smtClean="0"/>
-                <a:t>) such that the </a:t>
+                <a:t>) </a:t>
+              </a:r>
+              <a:r>
+                <a:rPr lang="en-US" sz="2800" dirty="0" smtClean="0"/>
+                <a:t>such that the </a:t>
               </a:r>
               <a:r>
                 <a:rPr lang="en-US" sz="2800" dirty="0" err="1" smtClean="0"/>
@@ -6649,11 +6627,7 @@
               </a:r>
               <a:r>
                 <a:rPr lang="en-US" sz="2800" dirty="0" smtClean="0"/>
-                <a:t>) may act on the delegator's behalf</a:t>
-              </a:r>
-              <a:r>
-                <a:rPr lang="en-US" sz="2800" dirty="0" smtClean="0"/>
-                <a:t>.  The CDS enables secure workflow, distributed queries, web single sign on, and other secure distributed interactions in  the Grid. </a:t>
+                <a:t>) may act on the delegator's behalf.  The CDS enables secure workflow, distributed queries, web single sign on, and other secure distributed interactions in  the Grid. </a:t>
               </a:r>
             </a:p>
             <a:p>
@@ -6664,7 +6638,23 @@
               <a:pPr algn="just"/>
               <a:r>
                 <a:rPr lang="en-US" sz="2800" dirty="0" smtClean="0"/>
-                <a:t>When delegating their credential, delegators specify a delegation policy.  The delegation policy specifies to the CDS who may be issued the delegators credential.   Currently the CDS supports multiple delegation policies, these include a list base delegation policy and a Grid Grouper based delegation policy.   Additional delegation policies can easily be plugged into the CDS.</a:t>
+                <a:t>When delegating their </a:t>
+              </a:r>
+              <a:r>
+                <a:rPr lang="en-US" sz="2800" dirty="0" smtClean="0"/>
+                <a:t>credentials, </a:t>
+              </a:r>
+              <a:r>
+                <a:rPr lang="en-US" sz="2800" dirty="0" smtClean="0"/>
+                <a:t>delegators specify a delegation policy.  The delegation policy specifies to the CDS who may be issued the delegators credential.   Currently the CDS supports multiple delegation policies, these include a list </a:t>
+              </a:r>
+              <a:r>
+                <a:rPr lang="en-US" sz="2800" dirty="0" smtClean="0"/>
+                <a:t>based </a:t>
+              </a:r>
+              <a:r>
+                <a:rPr lang="en-US" sz="2800" dirty="0" smtClean="0"/>
+                <a:t>delegation policy and a Grid Grouper based delegation policy.   Additional delegation policies can easily be plugged into the CDS.</a:t>
               </a:r>
             </a:p>
           </p:txBody>
@@ -7036,11 +7026,7 @@
               </a:r>
               <a:r>
                 <a:rPr lang="en-US" sz="2800" dirty="0" smtClean="0"/>
-                <a:t> framework provides a comprehensive, Single Sign On solution for web </a:t>
-              </a:r>
-              <a:r>
-                <a:rPr lang="en-US" sz="2800" dirty="0" smtClean="0"/>
-                <a:t>applications.  </a:t>
+                <a:t> framework provides a comprehensive, Single Sign On solution for web applications.  </a:t>
               </a:r>
               <a:r>
                 <a:rPr lang="en-US" sz="2800" dirty="0" err="1" smtClean="0"/>
@@ -7214,15 +7200,7 @@
                     <a:srgbClr val="000000"/>
                   </a:solidFill>
                 </a:rPr>
-                <a:t>Grid Grouper provides a group-based authorization solution for the Grid, wherein grid services and applications enforce authorization policy based on membership to groups defined and managed at the grid level.    Grid Grouper is built on top of Grouper,  an Internet2 initiative focused on providing tools for group management. </a:t>
-              </a:r>
-              <a:r>
-                <a:rPr lang="en-US" sz="2800" dirty="0" smtClean="0">
-                  <a:solidFill>
-                    <a:srgbClr val="000000"/>
-                  </a:solidFill>
-                </a:rPr>
-                <a:t> </a:t>
+                <a:t>Grid Grouper provides a group-based authorization solution for the Grid, wherein grid services and applications enforce authorization policy based on membership to groups defined and managed at the grid level.    Grid Grouper is built on top of Grouper,  an Internet2 initiative focused on providing tools for group management.  </a:t>
               </a:r>
             </a:p>
             <a:p>
@@ -7303,7 +7281,6 @@
                 <a:rPr lang="en-US" sz="2800" dirty="0" smtClean="0"/>
                 <a:t>UI for administering Grid Grouper.</a:t>
               </a:r>
-              <a:endParaRPr lang="en-US" sz="2800" dirty="0" smtClean="0"/>
             </a:p>
             <a:p>
               <a:pPr algn="just" defTabSz="3657600"/>
@@ -7451,14 +7428,6 @@
               </a:rPr>
               <a:t>Security Infrastructure</a:t>
             </a:r>
-            <a:endParaRPr lang="en-US" sz="12000" b="1" dirty="0" smtClean="0">
-              <a:solidFill>
-                <a:srgbClr val="FFFFFF"/>
-              </a:solidFill>
-              <a:effectLst/>
-              <a:latin typeface="Tahoma"/>
-              <a:cs typeface="Tahoma"/>
-            </a:endParaRPr>
           </a:p>
         </p:txBody>
       </p:sp>
@@ -7603,8 +7572,8 @@
           </p:cNvPicPr>
           <p:nvPr/>
         </p:nvPicPr>
-        <mc:AlternateContent>
-          <mc:Choice xmlns:ma="http://schemas.microsoft.com/office/mac/drawingml/2008/main" Requires="ma">
+        <mc:AlternateContent xmlns:ma="http://schemas.microsoft.com/office/mac/drawingml/2008/main">
+          <mc:Choice Requires="ma">
             <p:blipFill>
               <a:blip r:embed="rId15"/>
               <a:stretch>
@@ -7612,7 +7581,7 @@
               </a:stretch>
             </p:blipFill>
           </mc:Choice>
-          <mc:Fallback>
+          <mc:Fallback xmlns:p="http://schemas.openxmlformats.org/presentationml/2006/main" xmlns:mv="urn:schemas-microsoft-com:mac:vml" xmlns:mc="http://schemas.openxmlformats.org/markup-compatibility/2006" xmlns:r="http://schemas.openxmlformats.org/officeDocument/2006/relationships" xmlns:a="http://schemas.openxmlformats.org/drawingml/2006/main" xmlns="">
             <p:blipFill>
               <a:blip r:embed="rId16"/>
               <a:stretch>
@@ -7639,8 +7608,8 @@
           </p:cNvPicPr>
           <p:nvPr/>
         </p:nvPicPr>
-        <mc:AlternateContent>
-          <mc:Choice xmlns:ma="http://schemas.microsoft.com/office/mac/drawingml/2008/main" Requires="ma">
+        <mc:AlternateContent xmlns:ma="http://schemas.microsoft.com/office/mac/drawingml/2008/main">
+          <mc:Choice Requires="ma">
             <p:blipFill>
               <a:blip r:embed="rId17"/>
               <a:stretch>
@@ -7648,7 +7617,7 @@
               </a:stretch>
             </p:blipFill>
           </mc:Choice>
-          <mc:Fallback>
+          <mc:Fallback xmlns:p="http://schemas.openxmlformats.org/presentationml/2006/main" xmlns:mv="urn:schemas-microsoft-com:mac:vml" xmlns:mc="http://schemas.openxmlformats.org/markup-compatibility/2006" xmlns:r="http://schemas.openxmlformats.org/officeDocument/2006/relationships" xmlns:a="http://schemas.openxmlformats.org/drawingml/2006/main" xmlns="">
             <p:blipFill>
               <a:blip r:embed="rId18"/>
               <a:stretch>

--- a/cagrid-1-0/Documentation/presentations/2008_AnnualMeeting/posters/gaards-poster-annual-meeting-2008.pptx
+++ b/cagrid-1-0/Documentation/presentations/2008_AnnualMeeting/posters/gaards-poster-annual-meeting-2008.pptx
@@ -193,7 +193,7 @@
             <a:fld id="{08FEE5B3-4449-EA47-A2CD-3AEA5C5EE316}" type="datetimeFigureOut">
               <a:rPr lang="en-US" smtClean="0"/>
               <a:pPr/>
-              <a:t>6/12/08</a:t>
+              <a:t>6/16/08</a:t>
             </a:fld>
             <a:endParaRPr lang="en-US"/>
           </a:p>
@@ -723,7 +723,7 @@
             <a:fld id="{339DB51B-28D5-CA40-B042-16E22DA4B1D8}" type="datetimeFigureOut">
               <a:rPr lang="en-US" smtClean="0"/>
               <a:pPr/>
-              <a:t>6/12/08</a:t>
+              <a:t>6/16/08</a:t>
             </a:fld>
             <a:endParaRPr lang="en-US"/>
           </a:p>
@@ -890,7 +890,7 @@
             <a:fld id="{339DB51B-28D5-CA40-B042-16E22DA4B1D8}" type="datetimeFigureOut">
               <a:rPr lang="en-US" smtClean="0"/>
               <a:pPr/>
-              <a:t>6/12/08</a:t>
+              <a:t>6/16/08</a:t>
             </a:fld>
             <a:endParaRPr lang="en-US"/>
           </a:p>
@@ -1067,7 +1067,7 @@
             <a:fld id="{339DB51B-28D5-CA40-B042-16E22DA4B1D8}" type="datetimeFigureOut">
               <a:rPr lang="en-US" smtClean="0"/>
               <a:pPr/>
-              <a:t>6/12/08</a:t>
+              <a:t>6/16/08</a:t>
             </a:fld>
             <a:endParaRPr lang="en-US"/>
           </a:p>
@@ -1234,7 +1234,7 @@
             <a:fld id="{339DB51B-28D5-CA40-B042-16E22DA4B1D8}" type="datetimeFigureOut">
               <a:rPr lang="en-US" smtClean="0"/>
               <a:pPr/>
-              <a:t>6/12/08</a:t>
+              <a:t>6/16/08</a:t>
             </a:fld>
             <a:endParaRPr lang="en-US"/>
           </a:p>
@@ -1477,7 +1477,7 @@
             <a:fld id="{339DB51B-28D5-CA40-B042-16E22DA4B1D8}" type="datetimeFigureOut">
               <a:rPr lang="en-US" smtClean="0"/>
               <a:pPr/>
-              <a:t>6/12/08</a:t>
+              <a:t>6/16/08</a:t>
             </a:fld>
             <a:endParaRPr lang="en-US"/>
           </a:p>
@@ -1762,7 +1762,7 @@
             <a:fld id="{339DB51B-28D5-CA40-B042-16E22DA4B1D8}" type="datetimeFigureOut">
               <a:rPr lang="en-US" smtClean="0"/>
               <a:pPr/>
-              <a:t>6/12/08</a:t>
+              <a:t>6/16/08</a:t>
             </a:fld>
             <a:endParaRPr lang="en-US"/>
           </a:p>
@@ -2186,7 +2186,7 @@
             <a:fld id="{339DB51B-28D5-CA40-B042-16E22DA4B1D8}" type="datetimeFigureOut">
               <a:rPr lang="en-US" smtClean="0"/>
               <a:pPr/>
-              <a:t>6/12/08</a:t>
+              <a:t>6/16/08</a:t>
             </a:fld>
             <a:endParaRPr lang="en-US"/>
           </a:p>
@@ -2301,7 +2301,7 @@
             <a:fld id="{339DB51B-28D5-CA40-B042-16E22DA4B1D8}" type="datetimeFigureOut">
               <a:rPr lang="en-US" smtClean="0"/>
               <a:pPr/>
-              <a:t>6/12/08</a:t>
+              <a:t>6/16/08</a:t>
             </a:fld>
             <a:endParaRPr lang="en-US"/>
           </a:p>
@@ -2393,7 +2393,7 @@
             <a:fld id="{339DB51B-28D5-CA40-B042-16E22DA4B1D8}" type="datetimeFigureOut">
               <a:rPr lang="en-US" smtClean="0"/>
               <a:pPr/>
-              <a:t>6/12/08</a:t>
+              <a:t>6/16/08</a:t>
             </a:fld>
             <a:endParaRPr lang="en-US"/>
           </a:p>
@@ -2667,7 +2667,7 @@
             <a:fld id="{339DB51B-28D5-CA40-B042-16E22DA4B1D8}" type="datetimeFigureOut">
               <a:rPr lang="en-US" smtClean="0"/>
               <a:pPr/>
-              <a:t>6/12/08</a:t>
+              <a:t>6/16/08</a:t>
             </a:fld>
             <a:endParaRPr lang="en-US"/>
           </a:p>
@@ -2917,7 +2917,7 @@
             <a:fld id="{339DB51B-28D5-CA40-B042-16E22DA4B1D8}" type="datetimeFigureOut">
               <a:rPr lang="en-US" smtClean="0"/>
               <a:pPr/>
-              <a:t>6/12/08</a:t>
+              <a:t>6/16/08</a:t>
             </a:fld>
             <a:endParaRPr lang="en-US"/>
           </a:p>
@@ -3127,7 +3127,7 @@
             <a:fld id="{339DB51B-28D5-CA40-B042-16E22DA4B1D8}" type="datetimeFigureOut">
               <a:rPr lang="en-US" smtClean="0"/>
               <a:pPr/>
-              <a:t>6/12/08</a:t>
+              <a:t>6/16/08</a:t>
             </a:fld>
             <a:endParaRPr lang="en-US"/>
           </a:p>
@@ -5259,7 +5259,7 @@
                 </a:stretch>
               </p:blipFill>
             </mc:Choice>
-            <mc:Fallback xmlns:p="http://schemas.openxmlformats.org/presentationml/2006/main" xmlns:mv="urn:schemas-microsoft-com:mac:vml" xmlns:mc="http://schemas.openxmlformats.org/markup-compatibility/2006" xmlns:r="http://schemas.openxmlformats.org/officeDocument/2006/relationships" xmlns:a="http://schemas.openxmlformats.org/drawingml/2006/main" xmlns="">
+            <mc:Fallback xmlns:p="http://schemas.openxmlformats.org/presentationml/2006/main" xmlns:mv="urn:schemas-microsoft-com:mac:vml" xmlns:mc="http://schemas.openxmlformats.org/markup-compatibility/2006" xmlns:r="http://schemas.openxmlformats.org/officeDocument/2006/relationships" xmlns:a="http://schemas.openxmlformats.org/drawingml/2006/main" xmlns="" xmlns:ma="http://schemas.microsoft.com/office/mac/drawingml/2008/main">
               <p:blipFill>
                 <a:blip r:embed="rId6"/>
                 <a:stretch>
@@ -5772,15 +5772,7 @@
                   <a:schemeClr val="bg1"/>
                 </a:solidFill>
               </a:rPr>
-              <a:t>, Scott </a:t>
-            </a:r>
-            <a:r>
-              <a:rPr lang="en-US" sz="2400" b="1" dirty="0" smtClean="0">
-                <a:solidFill>
-                  <a:schemeClr val="bg1"/>
-                </a:solidFill>
-              </a:rPr>
-              <a:t>Oster</a:t>
+              <a:t>, Scott Oster</a:t>
             </a:r>
             <a:r>
               <a:rPr lang="en-US" sz="2400" b="1" baseline="30000" dirty="0" smtClean="0">
@@ -5812,15 +5804,7 @@
                   <a:schemeClr val="bg1"/>
                 </a:solidFill>
               </a:rPr>
-              <a:t>,</a:t>
-            </a:r>
-            <a:r>
-              <a:rPr lang="en-US" sz="2400" b="1" dirty="0" smtClean="0">
-                <a:solidFill>
-                  <a:schemeClr val="bg1"/>
-                </a:solidFill>
-              </a:rPr>
-              <a:t> David Ervin</a:t>
+              <a:t>, David Ervin</a:t>
             </a:r>
             <a:r>
               <a:rPr lang="en-US" sz="2400" b="1" baseline="30000" dirty="0" smtClean="0">
@@ -5836,15 +5820,7 @@
                   <a:schemeClr val="bg1"/>
                 </a:solidFill>
               </a:rPr>
-              <a:t>,  </a:t>
-            </a:r>
-            <a:r>
-              <a:rPr lang="en-US" sz="2400" b="1" dirty="0" smtClean="0">
-                <a:solidFill>
-                  <a:schemeClr val="bg1"/>
-                </a:solidFill>
-              </a:rPr>
-              <a:t>Joshua Phillips</a:t>
+              <a:t>,  Joshua Phillips</a:t>
             </a:r>
             <a:r>
               <a:rPr lang="en-US" sz="2400" b="1" baseline="30000" dirty="0" smtClean="0">
@@ -6166,7 +6142,7 @@
                 </a:stretch>
               </p:blipFill>
             </mc:Choice>
-            <mc:Fallback xmlns:p="http://schemas.openxmlformats.org/presentationml/2006/main" xmlns:mv="urn:schemas-microsoft-com:mac:vml" xmlns:mc="http://schemas.openxmlformats.org/markup-compatibility/2006" xmlns:r="http://schemas.openxmlformats.org/officeDocument/2006/relationships" xmlns:a="http://schemas.openxmlformats.org/drawingml/2006/main" xmlns="">
+            <mc:Fallback xmlns:p="http://schemas.openxmlformats.org/presentationml/2006/main" xmlns:mv="urn:schemas-microsoft-com:mac:vml" xmlns:mc="http://schemas.openxmlformats.org/markup-compatibility/2006" xmlns:r="http://schemas.openxmlformats.org/officeDocument/2006/relationships" xmlns:a="http://schemas.openxmlformats.org/drawingml/2006/main" xmlns="" xmlns:ma="http://schemas.microsoft.com/office/mac/drawingml/2008/main">
               <p:blipFill>
                 <a:blip r:embed="rId9"/>
                 <a:stretch>
@@ -6217,7 +6193,7 @@
               </a:r>
               <a:r>
                 <a:rPr lang="en-US" sz="2800" dirty="0" smtClean="0"/>
-                <a:t> Toolkit to provide enterprise services and administrative tools for: 1) Grid account management, 2) identity federation, 3) trust management, 4) credential delegation, 5) group/VO management, 6) access control policy management and enforcement, and 7) Integration between existing security domains and the grid security domain. GAARDS services can be used individually or grouped together to meet the authentication and authorization needs for Grids. Below is a list of some of the core services provided by GAARDS:</a:t>
+                <a:t> Toolkit to provide enterprise services and administrative tools for: 1) grid account management, 2) identity federation, 3) trust management, 4) credential delegation, 5) group/VO management, 6) access control policy management and enforcement, and 7) integration between existing security domains and the grid security domain. GAARDS services can be used individually or grouped together to meet the authentication and authorization needs for Grids. Below is a list of some of the core services provided by GAARDS:</a:t>
               </a:r>
             </a:p>
             <a:p>
@@ -6301,15 +6277,7 @@
               </a:r>
               <a:r>
                 <a:rPr lang="en-US" sz="2800" dirty="0" smtClean="0"/>
-                <a:t> Provides a framework for integrating existing credential providers into the grid under a standardized grid service interface, providing applications with a unified approach to </a:t>
-              </a:r>
-              <a:r>
-                <a:rPr lang="en-US" sz="2800" dirty="0" smtClean="0"/>
-                <a:t>communicating </a:t>
-              </a:r>
-              <a:r>
-                <a:rPr lang="en-US" sz="2800" dirty="0" smtClean="0"/>
-                <a:t>with credential providers.</a:t>
+                <a:t> Provides a framework for integrating existing credential providers into the grid under a standardized grid service interface, providing applications with a unified approach to communicating with credential providers.</a:t>
               </a:r>
             </a:p>
             <a:p>
@@ -6324,11 +6292,23 @@
                     <a:srgbClr val="101533"/>
                   </a:solidFill>
                 </a:rPr>
-                <a:t>Grid Trust Service (GTS) -</a:t>
+                <a:t>Grid Trust Service (GTS) </a:t>
+              </a:r>
+              <a:r>
+                <a:rPr lang="en-US" sz="2800" b="1" smtClean="0">
+                  <a:solidFill>
+                    <a:srgbClr val="101533"/>
+                  </a:solidFill>
+                </a:rPr>
+                <a:t>-</a:t>
+              </a:r>
+              <a:r>
+                <a:rPr lang="en-US" sz="2800" smtClean="0"/>
+                <a:t> A </a:t>
               </a:r>
               <a:r>
                 <a:rPr lang="en-US" sz="2800" dirty="0" smtClean="0"/>
-                <a:t> The Grid Trust Service (GTS) is a grid-wide mechanism for maintaining and provisioning a federated trust fabric consisting of trusted certificate authorities, such that grid services may make authentication decisions against the most up to date information.</a:t>
+                <a:t>grid-wide mechanism for maintaining and provisioning a federated trust fabric consisting of trusted certificate authorities, such that grid services may make authentication decisions against the most up to date information.</a:t>
               </a:r>
             </a:p>
             <a:p>
@@ -6366,15 +6346,7 @@
               </a:r>
               <a:r>
                 <a:rPr lang="en-US" sz="2800" dirty="0" smtClean="0"/>
-                <a:t>A WSRF-compliant Grid service that enables users/services (</a:t>
-              </a:r>
-              <a:r>
-                <a:rPr lang="en-US" sz="2800" dirty="0" smtClean="0"/>
-                <a:t>delegators) </a:t>
-              </a:r>
-              <a:r>
-                <a:rPr lang="en-US" sz="2800" dirty="0" smtClean="0"/>
-                <a:t>to delegate their Grid credentials to other users/services (</a:t>
+                <a:t>A Grid service that enables users/services (delegators) to delegate their Grid credentials to other users/services (</a:t>
               </a:r>
               <a:r>
                 <a:rPr lang="en-US" sz="2800" dirty="0" err="1" smtClean="0"/>
@@ -6382,11 +6354,7 @@
               </a:r>
               <a:r>
                 <a:rPr lang="en-US" sz="2800" dirty="0" smtClean="0"/>
-                <a:t>) </a:t>
-              </a:r>
-              <a:r>
-                <a:rPr lang="en-US" sz="2800" dirty="0" smtClean="0"/>
-                <a:t>such that the delegatee(s) may act on the delegator's behalf.</a:t>
+                <a:t>) such that the delegatee(s) may act on the delegator's behalf.</a:t>
               </a:r>
             </a:p>
             <a:p>
@@ -6401,15 +6369,7 @@
                     <a:srgbClr val="101533"/>
                   </a:solidFill>
                 </a:rPr>
-                <a:t>Web Single Sign-On (WebSSO) </a:t>
-              </a:r>
-              <a:r>
-                <a:rPr lang="en-US" sz="2800" b="1" dirty="0" smtClean="0">
-                  <a:solidFill>
-                    <a:srgbClr val="101533"/>
-                  </a:solidFill>
-                </a:rPr>
-                <a:t>-</a:t>
+                <a:t>Web Single Sign-On (WebSSO) -</a:t>
               </a:r>
               <a:r>
                 <a:rPr lang="en-US" sz="2800" dirty="0" smtClean="0"/>
@@ -6423,7 +6383,6 @@
                 <a:rPr lang="en-US" sz="2800" dirty="0" smtClean="0"/>
                 <a:t> integrates with the GAARDS infrastructure allowing web applications to interact with secure Grid resources on behalf of the user that is logged on. </a:t>
               </a:r>
-              <a:endParaRPr lang="en-US" sz="2800" dirty="0" smtClean="0"/>
             </a:p>
           </p:txBody>
         </p:sp>
@@ -6599,15 +6558,7 @@
               <a:pPr algn="just"/>
               <a:r>
                 <a:rPr lang="en-US" sz="2800" dirty="0" smtClean="0"/>
-                <a:t>The Credential Delegation Service (CDS) is a WSRF-compliant Grid service that enables users/services (</a:t>
-              </a:r>
-              <a:r>
-                <a:rPr lang="en-US" sz="2800" dirty="0" smtClean="0"/>
-                <a:t>delegators) </a:t>
-              </a:r>
-              <a:r>
-                <a:rPr lang="en-US" sz="2800" dirty="0" smtClean="0"/>
-                <a:t>to delegate their Grid credentials to other users/services (</a:t>
+                <a:t>The Credential Delegation Service (CDS) is a WSRF-compliant Grid service that enables users/services (delegators) to delegate their Grid credentials to other users/services (</a:t>
               </a:r>
               <a:r>
                 <a:rPr lang="en-US" sz="2800" dirty="0" err="1" smtClean="0"/>
@@ -6615,11 +6566,7 @@
               </a:r>
               <a:r>
                 <a:rPr lang="en-US" sz="2800" dirty="0" smtClean="0"/>
-                <a:t>) </a:t>
-              </a:r>
-              <a:r>
-                <a:rPr lang="en-US" sz="2800" dirty="0" smtClean="0"/>
-                <a:t>such that the </a:t>
+                <a:t>) such that the </a:t>
               </a:r>
               <a:r>
                 <a:rPr lang="en-US" sz="2800" dirty="0" err="1" smtClean="0"/>
@@ -6638,23 +6585,7 @@
               <a:pPr algn="just"/>
               <a:r>
                 <a:rPr lang="en-US" sz="2800" dirty="0" smtClean="0"/>
-                <a:t>When delegating their </a:t>
-              </a:r>
-              <a:r>
-                <a:rPr lang="en-US" sz="2800" dirty="0" smtClean="0"/>
-                <a:t>credentials, </a:t>
-              </a:r>
-              <a:r>
-                <a:rPr lang="en-US" sz="2800" dirty="0" smtClean="0"/>
-                <a:t>delegators specify a delegation policy.  The delegation policy specifies to the CDS who may be issued the delegators credential.   Currently the CDS supports multiple delegation policies, these include a list </a:t>
-              </a:r>
-              <a:r>
-                <a:rPr lang="en-US" sz="2800" dirty="0" smtClean="0"/>
-                <a:t>based </a:t>
-              </a:r>
-              <a:r>
-                <a:rPr lang="en-US" sz="2800" dirty="0" smtClean="0"/>
-                <a:t>delegation policy and a Grid Grouper based delegation policy.   Additional delegation policies can easily be plugged into the CDS.</a:t>
+                <a:t>When delegating their credentials, delegators specify a delegation policy.  The delegation policy specifies to the CDS who may be issued the delegators credential.   Currently the CDS supports multiple delegation policies, these include a list based delegation policy and a Grid Grouper based delegation policy.   Additional delegation policies can easily be plugged into the CDS.</a:t>
               </a:r>
             </a:p>
           </p:txBody>
@@ -7581,7 +7512,7 @@
               </a:stretch>
             </p:blipFill>
           </mc:Choice>
-          <mc:Fallback xmlns:p="http://schemas.openxmlformats.org/presentationml/2006/main" xmlns:mv="urn:schemas-microsoft-com:mac:vml" xmlns:mc="http://schemas.openxmlformats.org/markup-compatibility/2006" xmlns:r="http://schemas.openxmlformats.org/officeDocument/2006/relationships" xmlns:a="http://schemas.openxmlformats.org/drawingml/2006/main" xmlns="">
+          <mc:Fallback xmlns:p="http://schemas.openxmlformats.org/presentationml/2006/main" xmlns:mv="urn:schemas-microsoft-com:mac:vml" xmlns:mc="http://schemas.openxmlformats.org/markup-compatibility/2006" xmlns:r="http://schemas.openxmlformats.org/officeDocument/2006/relationships" xmlns:a="http://schemas.openxmlformats.org/drawingml/2006/main" xmlns="" xmlns:ma="http://schemas.microsoft.com/office/mac/drawingml/2008/main">
             <p:blipFill>
               <a:blip r:embed="rId16"/>
               <a:stretch>
@@ -7617,7 +7548,7 @@
               </a:stretch>
             </p:blipFill>
           </mc:Choice>
-          <mc:Fallback xmlns:p="http://schemas.openxmlformats.org/presentationml/2006/main" xmlns:mv="urn:schemas-microsoft-com:mac:vml" xmlns:mc="http://schemas.openxmlformats.org/markup-compatibility/2006" xmlns:r="http://schemas.openxmlformats.org/officeDocument/2006/relationships" xmlns:a="http://schemas.openxmlformats.org/drawingml/2006/main" xmlns="">
+          <mc:Fallback xmlns:p="http://schemas.openxmlformats.org/presentationml/2006/main" xmlns:mv="urn:schemas-microsoft-com:mac:vml" xmlns:mc="http://schemas.openxmlformats.org/markup-compatibility/2006" xmlns:r="http://schemas.openxmlformats.org/officeDocument/2006/relationships" xmlns:a="http://schemas.openxmlformats.org/drawingml/2006/main" xmlns="" xmlns:ma="http://schemas.microsoft.com/office/mac/drawingml/2008/main">
             <p:blipFill>
               <a:blip r:embed="rId18"/>
               <a:stretch>
